--- a/說明書.pptx
+++ b/說明書.pptx
@@ -105,6 +105,11 @@
       </a:defRPr>
     </a:lvl9pPr>
   </p:defaultTextStyle>
+  <p:extLst>
+    <p:ext uri="{EFAFB233-063F-42B5-8137-9DF3F51BA10A}">
+      <p15:sldGuideLst xmlns:p15="http://schemas.microsoft.com/office/powerpoint/2012/main"/>
+    </p:ext>
+  </p:extLst>
 </p:presentation>
 </file>
 
@@ -3424,7 +3429,7 @@
         </p:nvSpPr>
         <p:spPr>
           <a:xfrm>
-            <a:off x="5459740" y="2272683"/>
+            <a:off x="6871294" y="2272683"/>
             <a:ext cx="532687" cy="249784"/>
           </a:xfrm>
           <a:prstGeom prst="rect">
@@ -3607,59 +3612,15 @@
             </a:extLst>
           </p:cNvPr>
           <p:cNvCxnSpPr>
+            <a:cxnSpLocks/>
             <a:stCxn id="6" idx="1"/>
           </p:cNvCxnSpPr>
           <p:nvPr/>
         </p:nvCxnSpPr>
         <p:spPr>
           <a:xfrm flipH="1" flipV="1">
-            <a:off x="5992427" y="2397575"/>
-            <a:ext cx="3488923" cy="238323"/>
-          </a:xfrm>
-          <a:prstGeom prst="straightConnector1">
-            <a:avLst/>
-          </a:prstGeom>
-          <a:ln w="76200">
-            <a:solidFill>
-              <a:srgbClr val="FF0000"/>
-            </a:solidFill>
-            <a:tailEnd type="triangle"/>
-          </a:ln>
-        </p:spPr>
-        <p:style>
-          <a:lnRef idx="2">
-            <a:schemeClr val="accent1"/>
-          </a:lnRef>
-          <a:fillRef idx="0">
-            <a:schemeClr val="accent1"/>
-          </a:fillRef>
-          <a:effectRef idx="1">
-            <a:schemeClr val="accent1"/>
-          </a:effectRef>
-          <a:fontRef idx="minor">
-            <a:schemeClr val="tx1"/>
-          </a:fontRef>
-        </p:style>
-      </p:cxnSp>
-      <p:cxnSp>
-        <p:nvCxnSpPr>
-          <p:cNvPr id="11" name="直線單箭頭接點 10">
-            <a:extLst>
-              <a:ext uri="{FF2B5EF4-FFF2-40B4-BE49-F238E27FC236}">
-                <a16:creationId xmlns:a16="http://schemas.microsoft.com/office/drawing/2014/main" id="{F390DCAB-FBE3-F5BB-DE06-DF3D18179717}"/>
-              </a:ext>
-            </a:extLst>
-          </p:cNvPr>
-          <p:cNvCxnSpPr>
-            <a:cxnSpLocks/>
-            <a:stCxn id="7" idx="2"/>
-          </p:cNvCxnSpPr>
-          <p:nvPr/>
-        </p:nvCxnSpPr>
-        <p:spPr>
-          <a:xfrm>
-            <a:off x="5726084" y="2522467"/>
-            <a:ext cx="1475016" cy="199459"/>
+            <a:off x="7373476" y="2351314"/>
+            <a:ext cx="2107874" cy="284584"/>
           </a:xfrm>
           <a:prstGeom prst="straightConnector1">
             <a:avLst/>

--- a/說明書.pptx
+++ b/說明書.pptx
@@ -7,6 +7,7 @@
   <p:sldIdLst>
     <p:sldId id="257" r:id="rId2"/>
     <p:sldId id="256" r:id="rId3"/>
+    <p:sldId id="258" r:id="rId4"/>
   </p:sldIdLst>
   <p:sldSz cx="12192000" cy="6858000"/>
   <p:notesSz cx="6858000" cy="9144000"/>
@@ -4443,6 +4444,398 @@
 </p:sld>
 </file>
 
+<file path=ppt/slides/slide3.xml><?xml version="1.0" encoding="utf-8"?>
+<p:sld xmlns:a="http://schemas.openxmlformats.org/drawingml/2006/main" xmlns:r="http://schemas.openxmlformats.org/officeDocument/2006/relationships" xmlns:p="http://schemas.openxmlformats.org/presentationml/2006/main">
+  <p:cSld>
+    <p:spTree>
+      <p:nvGrpSpPr>
+        <p:cNvPr id="1" name=""/>
+        <p:cNvGrpSpPr/>
+        <p:nvPr/>
+      </p:nvGrpSpPr>
+      <p:grpSpPr>
+        <a:xfrm>
+          <a:off x="0" y="0"/>
+          <a:ext cx="0" cy="0"/>
+          <a:chOff x="0" y="0"/>
+          <a:chExt cx="0" cy="0"/>
+        </a:xfrm>
+      </p:grpSpPr>
+      <p:pic>
+        <p:nvPicPr>
+          <p:cNvPr id="5" name="圖片 4" descr="一張含有 文字, 螢幕擷取畫面, 電腦遊戲, 遊戲軟體 的圖片&#10;&#10;自動產生的描述">
+            <a:extLst>
+              <a:ext uri="{FF2B5EF4-FFF2-40B4-BE49-F238E27FC236}">
+                <a16:creationId xmlns:a16="http://schemas.microsoft.com/office/drawing/2014/main" id="{F2504A44-330C-338D-172D-5ACBAD6F0FA0}"/>
+              </a:ext>
+            </a:extLst>
+          </p:cNvPr>
+          <p:cNvPicPr>
+            <a:picLocks noChangeAspect="1"/>
+          </p:cNvPicPr>
+          <p:nvPr/>
+        </p:nvPicPr>
+        <p:blipFill>
+          <a:blip r:embed="rId2">
+            <a:extLst>
+              <a:ext uri="{28A0092B-C50C-407E-A947-70E740481C1C}">
+                <a14:useLocalDpi xmlns:a14="http://schemas.microsoft.com/office/drawing/2010/main" val="0"/>
+              </a:ext>
+            </a:extLst>
+          </a:blip>
+          <a:stretch>
+            <a:fillRect/>
+          </a:stretch>
+        </p:blipFill>
+        <p:spPr>
+          <a:xfrm>
+            <a:off x="448345" y="413237"/>
+            <a:ext cx="7619048" cy="5714286"/>
+          </a:xfrm>
+          <a:prstGeom prst="rect">
+            <a:avLst/>
+          </a:prstGeom>
+        </p:spPr>
+      </p:pic>
+      <p:pic>
+        <p:nvPicPr>
+          <p:cNvPr id="7" name="圖片 6">
+            <a:extLst>
+              <a:ext uri="{FF2B5EF4-FFF2-40B4-BE49-F238E27FC236}">
+                <a16:creationId xmlns:a16="http://schemas.microsoft.com/office/drawing/2014/main" id="{D06658EF-C0E4-F448-75E7-7071B8E5AD10}"/>
+              </a:ext>
+            </a:extLst>
+          </p:cNvPr>
+          <p:cNvPicPr>
+            <a:picLocks noChangeAspect="1"/>
+          </p:cNvPicPr>
+          <p:nvPr/>
+        </p:nvPicPr>
+        <p:blipFill>
+          <a:blip r:embed="rId3"/>
+          <a:stretch>
+            <a:fillRect/>
+          </a:stretch>
+        </p:blipFill>
+        <p:spPr>
+          <a:xfrm>
+            <a:off x="8413920" y="1943794"/>
+            <a:ext cx="3329735" cy="2970411"/>
+          </a:xfrm>
+          <a:prstGeom prst="rect">
+            <a:avLst/>
+          </a:prstGeom>
+        </p:spPr>
+      </p:pic>
+      <p:sp>
+        <p:nvSpPr>
+          <p:cNvPr id="8" name="矩形 7">
+            <a:extLst>
+              <a:ext uri="{FF2B5EF4-FFF2-40B4-BE49-F238E27FC236}">
+                <a16:creationId xmlns:a16="http://schemas.microsoft.com/office/drawing/2014/main" id="{9C467CC0-B960-F712-7111-FD266F37B642}"/>
+              </a:ext>
+            </a:extLst>
+          </p:cNvPr>
+          <p:cNvSpPr/>
+          <p:nvPr/>
+        </p:nvSpPr>
+        <p:spPr>
+          <a:xfrm>
+            <a:off x="2071396" y="3270380"/>
+            <a:ext cx="662473" cy="340567"/>
+          </a:xfrm>
+          <a:prstGeom prst="rect">
+            <a:avLst/>
+          </a:prstGeom>
+          <a:noFill/>
+          <a:ln w="28575">
+            <a:solidFill>
+              <a:srgbClr val="00B050"/>
+            </a:solidFill>
+          </a:ln>
+        </p:spPr>
+        <p:style>
+          <a:lnRef idx="2">
+            <a:schemeClr val="accent1">
+              <a:shade val="15000"/>
+            </a:schemeClr>
+          </a:lnRef>
+          <a:fillRef idx="1">
+            <a:schemeClr val="accent1"/>
+          </a:fillRef>
+          <a:effectRef idx="0">
+            <a:schemeClr val="accent1"/>
+          </a:effectRef>
+          <a:fontRef idx="minor">
+            <a:schemeClr val="lt1"/>
+          </a:fontRef>
+        </p:style>
+        <p:txBody>
+          <a:bodyPr rtlCol="0" anchor="ctr"/>
+          <a:lstStyle/>
+          <a:p>
+            <a:pPr algn="ctr"/>
+            <a:endParaRPr lang="zh-TW" altLang="en-US"/>
+          </a:p>
+        </p:txBody>
+      </p:sp>
+      <p:sp>
+        <p:nvSpPr>
+          <p:cNvPr id="9" name="矩形 8">
+            <a:extLst>
+              <a:ext uri="{FF2B5EF4-FFF2-40B4-BE49-F238E27FC236}">
+                <a16:creationId xmlns:a16="http://schemas.microsoft.com/office/drawing/2014/main" id="{98A9F7A1-4239-2C21-64D2-4B35EF7BCA02}"/>
+              </a:ext>
+            </a:extLst>
+          </p:cNvPr>
+          <p:cNvSpPr/>
+          <p:nvPr/>
+        </p:nvSpPr>
+        <p:spPr>
+          <a:xfrm>
+            <a:off x="1975221" y="4743921"/>
+            <a:ext cx="662473" cy="340567"/>
+          </a:xfrm>
+          <a:prstGeom prst="rect">
+            <a:avLst/>
+          </a:prstGeom>
+          <a:noFill/>
+          <a:ln w="28575">
+            <a:solidFill>
+              <a:srgbClr val="00B050"/>
+            </a:solidFill>
+          </a:ln>
+        </p:spPr>
+        <p:style>
+          <a:lnRef idx="2">
+            <a:schemeClr val="accent1">
+              <a:shade val="15000"/>
+            </a:schemeClr>
+          </a:lnRef>
+          <a:fillRef idx="1">
+            <a:schemeClr val="accent1"/>
+          </a:fillRef>
+          <a:effectRef idx="0">
+            <a:schemeClr val="accent1"/>
+          </a:effectRef>
+          <a:fontRef idx="minor">
+            <a:schemeClr val="lt1"/>
+          </a:fontRef>
+        </p:style>
+        <p:txBody>
+          <a:bodyPr rtlCol="0" anchor="ctr"/>
+          <a:lstStyle/>
+          <a:p>
+            <a:pPr algn="ctr"/>
+            <a:endParaRPr lang="zh-TW" altLang="en-US"/>
+          </a:p>
+        </p:txBody>
+      </p:sp>
+      <p:sp>
+        <p:nvSpPr>
+          <p:cNvPr id="10" name="矩形 9">
+            <a:extLst>
+              <a:ext uri="{FF2B5EF4-FFF2-40B4-BE49-F238E27FC236}">
+                <a16:creationId xmlns:a16="http://schemas.microsoft.com/office/drawing/2014/main" id="{85555A7D-C0AC-BCAC-88D5-76CB7EA6827A}"/>
+              </a:ext>
+            </a:extLst>
+          </p:cNvPr>
+          <p:cNvSpPr/>
+          <p:nvPr/>
+        </p:nvSpPr>
+        <p:spPr>
+          <a:xfrm>
+            <a:off x="3297994" y="3657598"/>
+            <a:ext cx="2072997" cy="240648"/>
+          </a:xfrm>
+          <a:prstGeom prst="rect">
+            <a:avLst/>
+          </a:prstGeom>
+          <a:noFill/>
+          <a:ln w="28575">
+            <a:solidFill>
+              <a:srgbClr val="FF0000"/>
+            </a:solidFill>
+          </a:ln>
+        </p:spPr>
+        <p:style>
+          <a:lnRef idx="2">
+            <a:schemeClr val="accent1">
+              <a:shade val="15000"/>
+            </a:schemeClr>
+          </a:lnRef>
+          <a:fillRef idx="1">
+            <a:schemeClr val="accent1"/>
+          </a:fillRef>
+          <a:effectRef idx="0">
+            <a:schemeClr val="accent1"/>
+          </a:effectRef>
+          <a:fontRef idx="minor">
+            <a:schemeClr val="lt1"/>
+          </a:fontRef>
+        </p:style>
+        <p:txBody>
+          <a:bodyPr rtlCol="0" anchor="ctr"/>
+          <a:lstStyle/>
+          <a:p>
+            <a:pPr algn="ctr"/>
+            <a:endParaRPr lang="zh-TW" altLang="en-US"/>
+          </a:p>
+        </p:txBody>
+      </p:sp>
+      <p:sp>
+        <p:nvSpPr>
+          <p:cNvPr id="11" name="矩形 10">
+            <a:extLst>
+              <a:ext uri="{FF2B5EF4-FFF2-40B4-BE49-F238E27FC236}">
+                <a16:creationId xmlns:a16="http://schemas.microsoft.com/office/drawing/2014/main" id="{2A1431BC-927C-5871-9ECC-6961B8907A8E}"/>
+              </a:ext>
+            </a:extLst>
+          </p:cNvPr>
+          <p:cNvSpPr/>
+          <p:nvPr/>
+        </p:nvSpPr>
+        <p:spPr>
+          <a:xfrm>
+            <a:off x="8794754" y="2540491"/>
+            <a:ext cx="1130484" cy="1782934"/>
+          </a:xfrm>
+          <a:prstGeom prst="rect">
+            <a:avLst/>
+          </a:prstGeom>
+          <a:noFill/>
+          <a:ln w="28575">
+            <a:solidFill>
+              <a:srgbClr val="FF0000"/>
+            </a:solidFill>
+          </a:ln>
+        </p:spPr>
+        <p:style>
+          <a:lnRef idx="2">
+            <a:schemeClr val="accent1">
+              <a:shade val="15000"/>
+            </a:schemeClr>
+          </a:lnRef>
+          <a:fillRef idx="1">
+            <a:schemeClr val="accent1"/>
+          </a:fillRef>
+          <a:effectRef idx="0">
+            <a:schemeClr val="accent1"/>
+          </a:effectRef>
+          <a:fontRef idx="minor">
+            <a:schemeClr val="lt1"/>
+          </a:fontRef>
+        </p:style>
+        <p:txBody>
+          <a:bodyPr rtlCol="0" anchor="ctr"/>
+          <a:lstStyle/>
+          <a:p>
+            <a:pPr algn="ctr"/>
+            <a:endParaRPr lang="zh-TW" altLang="en-US"/>
+          </a:p>
+        </p:txBody>
+      </p:sp>
+      <p:cxnSp>
+        <p:nvCxnSpPr>
+          <p:cNvPr id="13" name="直線單箭頭接點 12">
+            <a:extLst>
+              <a:ext uri="{FF2B5EF4-FFF2-40B4-BE49-F238E27FC236}">
+                <a16:creationId xmlns:a16="http://schemas.microsoft.com/office/drawing/2014/main" id="{D042FA39-E087-2C24-ED75-8657BE7F2917}"/>
+              </a:ext>
+            </a:extLst>
+          </p:cNvPr>
+          <p:cNvCxnSpPr>
+            <a:stCxn id="10" idx="3"/>
+            <a:endCxn id="11" idx="1"/>
+          </p:cNvCxnSpPr>
+          <p:nvPr/>
+        </p:nvCxnSpPr>
+        <p:spPr>
+          <a:xfrm flipV="1">
+            <a:off x="5370991" y="3431958"/>
+            <a:ext cx="3423763" cy="345964"/>
+          </a:xfrm>
+          <a:prstGeom prst="straightConnector1">
+            <a:avLst/>
+          </a:prstGeom>
+          <a:ln w="76200">
+            <a:solidFill>
+              <a:srgbClr val="FF0000"/>
+            </a:solidFill>
+            <a:tailEnd type="triangle"/>
+          </a:ln>
+        </p:spPr>
+        <p:style>
+          <a:lnRef idx="2">
+            <a:schemeClr val="accent1"/>
+          </a:lnRef>
+          <a:fillRef idx="0">
+            <a:schemeClr val="accent1"/>
+          </a:fillRef>
+          <a:effectRef idx="1">
+            <a:schemeClr val="accent1"/>
+          </a:effectRef>
+          <a:fontRef idx="minor">
+            <a:schemeClr val="tx1"/>
+          </a:fontRef>
+        </p:style>
+      </p:cxnSp>
+      <p:sp>
+        <p:nvSpPr>
+          <p:cNvPr id="14" name="文字方塊 13">
+            <a:extLst>
+              <a:ext uri="{FF2B5EF4-FFF2-40B4-BE49-F238E27FC236}">
+                <a16:creationId xmlns:a16="http://schemas.microsoft.com/office/drawing/2014/main" id="{8D63C8AB-9AE2-672A-2CAC-E304CABF7045}"/>
+              </a:ext>
+            </a:extLst>
+          </p:cNvPr>
+          <p:cNvSpPr txBox="1"/>
+          <p:nvPr/>
+        </p:nvSpPr>
+        <p:spPr>
+          <a:xfrm>
+            <a:off x="1334550" y="2724877"/>
+            <a:ext cx="6186309" cy="369332"/>
+          </a:xfrm>
+          <a:prstGeom prst="rect">
+            <a:avLst/>
+          </a:prstGeom>
+          <a:solidFill>
+            <a:schemeClr val="bg1"/>
+          </a:solidFill>
+        </p:spPr>
+        <p:txBody>
+          <a:bodyPr wrap="none" rtlCol="0">
+            <a:spAutoFit/>
+          </a:bodyPr>
+          <a:lstStyle/>
+          <a:p>
+            <a:r>
+              <a:rPr lang="zh-TW" altLang="en-US" dirty="0">
+                <a:solidFill>
+                  <a:srgbClr val="FF0000"/>
+                </a:solidFill>
+                <a:latin typeface="微軟正黑體" panose="020B0604030504040204" pitchFamily="34" charset="-120"/>
+                <a:ea typeface="微軟正黑體" panose="020B0604030504040204" pitchFamily="34" charset="-120"/>
+              </a:rPr>
+              <a:t>一次使用所有的直播碼，很容易因爆倉導致東西跑到鏢局</a:t>
+            </a:r>
+          </a:p>
+        </p:txBody>
+      </p:sp>
+    </p:spTree>
+    <p:extLst>
+      <p:ext uri="{BB962C8B-B14F-4D97-AF65-F5344CB8AC3E}">
+        <p14:creationId xmlns:p14="http://schemas.microsoft.com/office/powerpoint/2010/main" val="741948611"/>
+      </p:ext>
+    </p:extLst>
+  </p:cSld>
+  <p:clrMapOvr>
+    <a:masterClrMapping/>
+  </p:clrMapOvr>
+</p:sld>
+</file>
+
 <file path=ppt/theme/theme1.xml><?xml version="1.0" encoding="utf-8"?>
 <a:theme xmlns:a="http://schemas.openxmlformats.org/drawingml/2006/main" name="Office 佈景主題">
   <a:themeElements>
